--- a/ppt 16-9/0229.各各他的路.pptx
+++ b/ppt 16-9/0229.各各他的路.pptx
@@ -129,7 +129,7 @@
           <p:cNvPr id="2" name="标题 1">
             <a:extLst>
               <a:ext uri="{FF2B5EF4-FFF2-40B4-BE49-F238E27FC236}">
-                <a16:creationId xmlns:a16="http://schemas.microsoft.com/office/drawing/2014/main" id="{F40F70F5-277F-E690-94EF-9638C4169B17}"/>
+                <a16:creationId xmlns:a16="http://schemas.microsoft.com/office/drawing/2014/main" id="{E085867B-3CE6-E4CF-1A86-E11BE72B96C1}"/>
               </a:ext>
             </a:extLst>
           </p:cNvPr>
@@ -166,7 +166,7 @@
           <p:cNvPr id="3" name="副标题 2">
             <a:extLst>
               <a:ext uri="{FF2B5EF4-FFF2-40B4-BE49-F238E27FC236}">
-                <a16:creationId xmlns:a16="http://schemas.microsoft.com/office/drawing/2014/main" id="{38D162F4-9BEF-13BA-7E76-04A1060D407B}"/>
+                <a16:creationId xmlns:a16="http://schemas.microsoft.com/office/drawing/2014/main" id="{3C266508-AADB-B73A-1C8D-D26C6C1BAF8D}"/>
               </a:ext>
             </a:extLst>
           </p:cNvPr>
@@ -236,7 +236,7 @@
           <p:cNvPr id="4" name="日期占位符 3">
             <a:extLst>
               <a:ext uri="{FF2B5EF4-FFF2-40B4-BE49-F238E27FC236}">
-                <a16:creationId xmlns:a16="http://schemas.microsoft.com/office/drawing/2014/main" id="{219B7A2C-DD47-142B-938E-B061072383E9}"/>
+                <a16:creationId xmlns:a16="http://schemas.microsoft.com/office/drawing/2014/main" id="{C6824481-8001-39B5-ADAC-83150CAD1637}"/>
               </a:ext>
             </a:extLst>
           </p:cNvPr>
@@ -252,7 +252,7 @@
           <a:bodyPr/>
           <a:lstStyle/>
           <a:p>
-            <a:fld id="{C79772F2-65CF-42F6-A309-1E70B50B71AA}" type="datetimeFigureOut">
+            <a:fld id="{BD14D28F-DD09-457D-A42F-E184024676FE}" type="datetimeFigureOut">
               <a:rPr lang="zh-CN" altLang="en-US" smtClean="0"/>
               <a:t>2024/3/10</a:t>
             </a:fld>
@@ -265,7 +265,7 @@
           <p:cNvPr id="5" name="页脚占位符 4">
             <a:extLst>
               <a:ext uri="{FF2B5EF4-FFF2-40B4-BE49-F238E27FC236}">
-                <a16:creationId xmlns:a16="http://schemas.microsoft.com/office/drawing/2014/main" id="{7AFAA225-AAC6-3AB6-49F7-DDE0804E0A8B}"/>
+                <a16:creationId xmlns:a16="http://schemas.microsoft.com/office/drawing/2014/main" id="{5C44E525-E5CC-441B-2B2E-77526586AA7D}"/>
               </a:ext>
             </a:extLst>
           </p:cNvPr>
@@ -290,7 +290,7 @@
           <p:cNvPr id="6" name="灯片编号占位符 5">
             <a:extLst>
               <a:ext uri="{FF2B5EF4-FFF2-40B4-BE49-F238E27FC236}">
-                <a16:creationId xmlns:a16="http://schemas.microsoft.com/office/drawing/2014/main" id="{33236BAD-9AEF-30FF-9165-5E14A7EABD6A}"/>
+                <a16:creationId xmlns:a16="http://schemas.microsoft.com/office/drawing/2014/main" id="{CD71CD21-6003-0CFD-3897-5163A4E32F0D}"/>
               </a:ext>
             </a:extLst>
           </p:cNvPr>
@@ -306,7 +306,7 @@
           <a:bodyPr/>
           <a:lstStyle/>
           <a:p>
-            <a:fld id="{E40CDAEA-28E0-493F-9FC3-EC24E9557EEB}" type="slidenum">
+            <a:fld id="{BCFD902E-B67B-4533-9D51-0276639089A1}" type="slidenum">
               <a:rPr lang="zh-CN" altLang="en-US" smtClean="0"/>
               <a:t>‹#›</a:t>
             </a:fld>
@@ -317,7 +317,7 @@
     </p:spTree>
     <p:extLst>
       <p:ext uri="{BB962C8B-B14F-4D97-AF65-F5344CB8AC3E}">
-        <p14:creationId xmlns:p14="http://schemas.microsoft.com/office/powerpoint/2010/main" val="1380982704"/>
+        <p14:creationId xmlns:p14="http://schemas.microsoft.com/office/powerpoint/2010/main" val="2109822569"/>
       </p:ext>
     </p:extLst>
   </p:cSld>
@@ -349,7 +349,7 @@
           <p:cNvPr id="2" name="标题 1">
             <a:extLst>
               <a:ext uri="{FF2B5EF4-FFF2-40B4-BE49-F238E27FC236}">
-                <a16:creationId xmlns:a16="http://schemas.microsoft.com/office/drawing/2014/main" id="{ED65DF7B-076F-56EA-9269-6CD04A962DC6}"/>
+                <a16:creationId xmlns:a16="http://schemas.microsoft.com/office/drawing/2014/main" id="{B2390FB5-4826-9D69-0EB5-23698C55BC15}"/>
               </a:ext>
             </a:extLst>
           </p:cNvPr>
@@ -377,7 +377,7 @@
           <p:cNvPr id="3" name="竖排文字占位符 2">
             <a:extLst>
               <a:ext uri="{FF2B5EF4-FFF2-40B4-BE49-F238E27FC236}">
-                <a16:creationId xmlns:a16="http://schemas.microsoft.com/office/drawing/2014/main" id="{E238F74A-2B85-7B07-E4E7-9A1579F752F4}"/>
+                <a16:creationId xmlns:a16="http://schemas.microsoft.com/office/drawing/2014/main" id="{0CBEDBF9-F063-D9FB-0E9B-DE426724D532}"/>
               </a:ext>
             </a:extLst>
           </p:cNvPr>
@@ -434,7 +434,7 @@
           <p:cNvPr id="4" name="日期占位符 3">
             <a:extLst>
               <a:ext uri="{FF2B5EF4-FFF2-40B4-BE49-F238E27FC236}">
-                <a16:creationId xmlns:a16="http://schemas.microsoft.com/office/drawing/2014/main" id="{2B17B8E6-4976-44B5-B9DA-2DEE5760CBF4}"/>
+                <a16:creationId xmlns:a16="http://schemas.microsoft.com/office/drawing/2014/main" id="{EE6BBFB1-D786-7A83-638C-EAFE9D7E451D}"/>
               </a:ext>
             </a:extLst>
           </p:cNvPr>
@@ -450,7 +450,7 @@
           <a:bodyPr/>
           <a:lstStyle/>
           <a:p>
-            <a:fld id="{C79772F2-65CF-42F6-A309-1E70B50B71AA}" type="datetimeFigureOut">
+            <a:fld id="{BD14D28F-DD09-457D-A42F-E184024676FE}" type="datetimeFigureOut">
               <a:rPr lang="zh-CN" altLang="en-US" smtClean="0"/>
               <a:t>2024/3/10</a:t>
             </a:fld>
@@ -463,7 +463,7 @@
           <p:cNvPr id="5" name="页脚占位符 4">
             <a:extLst>
               <a:ext uri="{FF2B5EF4-FFF2-40B4-BE49-F238E27FC236}">
-                <a16:creationId xmlns:a16="http://schemas.microsoft.com/office/drawing/2014/main" id="{F66779D2-1255-F393-6665-CB1F0616A896}"/>
+                <a16:creationId xmlns:a16="http://schemas.microsoft.com/office/drawing/2014/main" id="{27D6736F-995A-EC18-6B69-0104F1C19956}"/>
               </a:ext>
             </a:extLst>
           </p:cNvPr>
@@ -488,7 +488,7 @@
           <p:cNvPr id="6" name="灯片编号占位符 5">
             <a:extLst>
               <a:ext uri="{FF2B5EF4-FFF2-40B4-BE49-F238E27FC236}">
-                <a16:creationId xmlns:a16="http://schemas.microsoft.com/office/drawing/2014/main" id="{A8F39508-44AA-6D99-8B97-F5719FD5DFF5}"/>
+                <a16:creationId xmlns:a16="http://schemas.microsoft.com/office/drawing/2014/main" id="{E29F370F-BCA7-39C9-8E17-022D41B7B2C2}"/>
               </a:ext>
             </a:extLst>
           </p:cNvPr>
@@ -504,7 +504,7 @@
           <a:bodyPr/>
           <a:lstStyle/>
           <a:p>
-            <a:fld id="{E40CDAEA-28E0-493F-9FC3-EC24E9557EEB}" type="slidenum">
+            <a:fld id="{BCFD902E-B67B-4533-9D51-0276639089A1}" type="slidenum">
               <a:rPr lang="zh-CN" altLang="en-US" smtClean="0"/>
               <a:t>‹#›</a:t>
             </a:fld>
@@ -515,7 +515,7 @@
     </p:spTree>
     <p:extLst>
       <p:ext uri="{BB962C8B-B14F-4D97-AF65-F5344CB8AC3E}">
-        <p14:creationId xmlns:p14="http://schemas.microsoft.com/office/powerpoint/2010/main" val="3379819198"/>
+        <p14:creationId xmlns:p14="http://schemas.microsoft.com/office/powerpoint/2010/main" val="2200220411"/>
       </p:ext>
     </p:extLst>
   </p:cSld>
@@ -547,7 +547,7 @@
           <p:cNvPr id="2" name="竖排标题 1">
             <a:extLst>
               <a:ext uri="{FF2B5EF4-FFF2-40B4-BE49-F238E27FC236}">
-                <a16:creationId xmlns:a16="http://schemas.microsoft.com/office/drawing/2014/main" id="{E21E8A00-A040-7B7C-94E7-6507B8FBF5CA}"/>
+                <a16:creationId xmlns:a16="http://schemas.microsoft.com/office/drawing/2014/main" id="{42EFE2E0-6868-A84F-7665-B2C038B66604}"/>
               </a:ext>
             </a:extLst>
           </p:cNvPr>
@@ -580,7 +580,7 @@
           <p:cNvPr id="3" name="竖排文字占位符 2">
             <a:extLst>
               <a:ext uri="{FF2B5EF4-FFF2-40B4-BE49-F238E27FC236}">
-                <a16:creationId xmlns:a16="http://schemas.microsoft.com/office/drawing/2014/main" id="{2EC336B9-4C35-9E71-3A64-42728A244A82}"/>
+                <a16:creationId xmlns:a16="http://schemas.microsoft.com/office/drawing/2014/main" id="{0E30B7DB-005B-F7AD-8AF4-BCF60F2B6DDD}"/>
               </a:ext>
             </a:extLst>
           </p:cNvPr>
@@ -642,7 +642,7 @@
           <p:cNvPr id="4" name="日期占位符 3">
             <a:extLst>
               <a:ext uri="{FF2B5EF4-FFF2-40B4-BE49-F238E27FC236}">
-                <a16:creationId xmlns:a16="http://schemas.microsoft.com/office/drawing/2014/main" id="{F3DEFA01-963A-60E1-ADF9-5AC87EF51E0A}"/>
+                <a16:creationId xmlns:a16="http://schemas.microsoft.com/office/drawing/2014/main" id="{E1E9FF0F-C5A0-C187-41E4-189F4ABCE9CA}"/>
               </a:ext>
             </a:extLst>
           </p:cNvPr>
@@ -658,7 +658,7 @@
           <a:bodyPr/>
           <a:lstStyle/>
           <a:p>
-            <a:fld id="{C79772F2-65CF-42F6-A309-1E70B50B71AA}" type="datetimeFigureOut">
+            <a:fld id="{BD14D28F-DD09-457D-A42F-E184024676FE}" type="datetimeFigureOut">
               <a:rPr lang="zh-CN" altLang="en-US" smtClean="0"/>
               <a:t>2024/3/10</a:t>
             </a:fld>
@@ -671,7 +671,7 @@
           <p:cNvPr id="5" name="页脚占位符 4">
             <a:extLst>
               <a:ext uri="{FF2B5EF4-FFF2-40B4-BE49-F238E27FC236}">
-                <a16:creationId xmlns:a16="http://schemas.microsoft.com/office/drawing/2014/main" id="{DF6B3CC4-5D25-8A7D-0E08-CF3D3D4BF094}"/>
+                <a16:creationId xmlns:a16="http://schemas.microsoft.com/office/drawing/2014/main" id="{2522EFB8-AD41-23FC-96EC-87D1569CCC0E}"/>
               </a:ext>
             </a:extLst>
           </p:cNvPr>
@@ -696,7 +696,7 @@
           <p:cNvPr id="6" name="灯片编号占位符 5">
             <a:extLst>
               <a:ext uri="{FF2B5EF4-FFF2-40B4-BE49-F238E27FC236}">
-                <a16:creationId xmlns:a16="http://schemas.microsoft.com/office/drawing/2014/main" id="{38F1F5F2-2CCB-2735-BA9C-05E0B9F37FDA}"/>
+                <a16:creationId xmlns:a16="http://schemas.microsoft.com/office/drawing/2014/main" id="{97233820-27E0-2DD4-DB10-EF81224842A8}"/>
               </a:ext>
             </a:extLst>
           </p:cNvPr>
@@ -712,7 +712,7 @@
           <a:bodyPr/>
           <a:lstStyle/>
           <a:p>
-            <a:fld id="{E40CDAEA-28E0-493F-9FC3-EC24E9557EEB}" type="slidenum">
+            <a:fld id="{BCFD902E-B67B-4533-9D51-0276639089A1}" type="slidenum">
               <a:rPr lang="zh-CN" altLang="en-US" smtClean="0"/>
               <a:t>‹#›</a:t>
             </a:fld>
@@ -723,7 +723,7 @@
     </p:spTree>
     <p:extLst>
       <p:ext uri="{BB962C8B-B14F-4D97-AF65-F5344CB8AC3E}">
-        <p14:creationId xmlns:p14="http://schemas.microsoft.com/office/powerpoint/2010/main" val="2732012279"/>
+        <p14:creationId xmlns:p14="http://schemas.microsoft.com/office/powerpoint/2010/main" val="3037483314"/>
       </p:ext>
     </p:extLst>
   </p:cSld>
@@ -755,7 +755,7 @@
           <p:cNvPr id="2" name="标题 1">
             <a:extLst>
               <a:ext uri="{FF2B5EF4-FFF2-40B4-BE49-F238E27FC236}">
-                <a16:creationId xmlns:a16="http://schemas.microsoft.com/office/drawing/2014/main" id="{D71A9B24-A471-7175-699C-83987B60A9E7}"/>
+                <a16:creationId xmlns:a16="http://schemas.microsoft.com/office/drawing/2014/main" id="{F5F93915-3025-10D3-FA84-202D31E618CA}"/>
               </a:ext>
             </a:extLst>
           </p:cNvPr>
@@ -783,7 +783,7 @@
           <p:cNvPr id="3" name="内容占位符 2">
             <a:extLst>
               <a:ext uri="{FF2B5EF4-FFF2-40B4-BE49-F238E27FC236}">
-                <a16:creationId xmlns:a16="http://schemas.microsoft.com/office/drawing/2014/main" id="{0FE90318-26EB-A8D5-FDB4-F780CD52EC7F}"/>
+                <a16:creationId xmlns:a16="http://schemas.microsoft.com/office/drawing/2014/main" id="{CE29FA3D-1911-00DB-C458-B17E1F5805B7}"/>
               </a:ext>
             </a:extLst>
           </p:cNvPr>
@@ -840,7 +840,7 @@
           <p:cNvPr id="4" name="日期占位符 3">
             <a:extLst>
               <a:ext uri="{FF2B5EF4-FFF2-40B4-BE49-F238E27FC236}">
-                <a16:creationId xmlns:a16="http://schemas.microsoft.com/office/drawing/2014/main" id="{A5C2B2B7-C6DC-2658-12D2-86177F8B29CE}"/>
+                <a16:creationId xmlns:a16="http://schemas.microsoft.com/office/drawing/2014/main" id="{5995397C-0381-7041-0EF6-294C9DDF8BED}"/>
               </a:ext>
             </a:extLst>
           </p:cNvPr>
@@ -856,7 +856,7 @@
           <a:bodyPr/>
           <a:lstStyle/>
           <a:p>
-            <a:fld id="{C79772F2-65CF-42F6-A309-1E70B50B71AA}" type="datetimeFigureOut">
+            <a:fld id="{BD14D28F-DD09-457D-A42F-E184024676FE}" type="datetimeFigureOut">
               <a:rPr lang="zh-CN" altLang="en-US" smtClean="0"/>
               <a:t>2024/3/10</a:t>
             </a:fld>
@@ -869,7 +869,7 @@
           <p:cNvPr id="5" name="页脚占位符 4">
             <a:extLst>
               <a:ext uri="{FF2B5EF4-FFF2-40B4-BE49-F238E27FC236}">
-                <a16:creationId xmlns:a16="http://schemas.microsoft.com/office/drawing/2014/main" id="{B20D5FD2-38B1-B570-88D8-95596765BAFF}"/>
+                <a16:creationId xmlns:a16="http://schemas.microsoft.com/office/drawing/2014/main" id="{E380E46C-BDC0-7A9B-E4A7-C0D04C992457}"/>
               </a:ext>
             </a:extLst>
           </p:cNvPr>
@@ -894,7 +894,7 @@
           <p:cNvPr id="6" name="灯片编号占位符 5">
             <a:extLst>
               <a:ext uri="{FF2B5EF4-FFF2-40B4-BE49-F238E27FC236}">
-                <a16:creationId xmlns:a16="http://schemas.microsoft.com/office/drawing/2014/main" id="{160A2155-9733-D3AC-9B2F-1A1A16BE1039}"/>
+                <a16:creationId xmlns:a16="http://schemas.microsoft.com/office/drawing/2014/main" id="{16FF19C1-986C-E239-CFEC-5D109DFA0604}"/>
               </a:ext>
             </a:extLst>
           </p:cNvPr>
@@ -910,7 +910,7 @@
           <a:bodyPr/>
           <a:lstStyle/>
           <a:p>
-            <a:fld id="{E40CDAEA-28E0-493F-9FC3-EC24E9557EEB}" type="slidenum">
+            <a:fld id="{BCFD902E-B67B-4533-9D51-0276639089A1}" type="slidenum">
               <a:rPr lang="zh-CN" altLang="en-US" smtClean="0"/>
               <a:t>‹#›</a:t>
             </a:fld>
@@ -921,7 +921,7 @@
     </p:spTree>
     <p:extLst>
       <p:ext uri="{BB962C8B-B14F-4D97-AF65-F5344CB8AC3E}">
-        <p14:creationId xmlns:p14="http://schemas.microsoft.com/office/powerpoint/2010/main" val="755007210"/>
+        <p14:creationId xmlns:p14="http://schemas.microsoft.com/office/powerpoint/2010/main" val="1886057415"/>
       </p:ext>
     </p:extLst>
   </p:cSld>
@@ -953,7 +953,7 @@
           <p:cNvPr id="2" name="标题 1">
             <a:extLst>
               <a:ext uri="{FF2B5EF4-FFF2-40B4-BE49-F238E27FC236}">
-                <a16:creationId xmlns:a16="http://schemas.microsoft.com/office/drawing/2014/main" id="{6DFECD93-0163-0B1F-66AC-23D9496FBD28}"/>
+                <a16:creationId xmlns:a16="http://schemas.microsoft.com/office/drawing/2014/main" id="{FA9EE345-948D-A008-0398-AC4B098C9B9C}"/>
               </a:ext>
             </a:extLst>
           </p:cNvPr>
@@ -990,7 +990,7 @@
           <p:cNvPr id="3" name="文本占位符 2">
             <a:extLst>
               <a:ext uri="{FF2B5EF4-FFF2-40B4-BE49-F238E27FC236}">
-                <a16:creationId xmlns:a16="http://schemas.microsoft.com/office/drawing/2014/main" id="{44C30B1C-27FB-DDBF-72E9-3EDBBFB78930}"/>
+                <a16:creationId xmlns:a16="http://schemas.microsoft.com/office/drawing/2014/main" id="{27CE9988-A816-0528-5163-608D03A9AD76}"/>
               </a:ext>
             </a:extLst>
           </p:cNvPr>
@@ -1115,7 +1115,7 @@
           <p:cNvPr id="4" name="日期占位符 3">
             <a:extLst>
               <a:ext uri="{FF2B5EF4-FFF2-40B4-BE49-F238E27FC236}">
-                <a16:creationId xmlns:a16="http://schemas.microsoft.com/office/drawing/2014/main" id="{198D83BB-3206-E1DF-5D9C-0812227816CF}"/>
+                <a16:creationId xmlns:a16="http://schemas.microsoft.com/office/drawing/2014/main" id="{F01028DA-652C-E872-6FBE-6BE6C7A80D11}"/>
               </a:ext>
             </a:extLst>
           </p:cNvPr>
@@ -1131,7 +1131,7 @@
           <a:bodyPr/>
           <a:lstStyle/>
           <a:p>
-            <a:fld id="{C79772F2-65CF-42F6-A309-1E70B50B71AA}" type="datetimeFigureOut">
+            <a:fld id="{BD14D28F-DD09-457D-A42F-E184024676FE}" type="datetimeFigureOut">
               <a:rPr lang="zh-CN" altLang="en-US" smtClean="0"/>
               <a:t>2024/3/10</a:t>
             </a:fld>
@@ -1144,7 +1144,7 @@
           <p:cNvPr id="5" name="页脚占位符 4">
             <a:extLst>
               <a:ext uri="{FF2B5EF4-FFF2-40B4-BE49-F238E27FC236}">
-                <a16:creationId xmlns:a16="http://schemas.microsoft.com/office/drawing/2014/main" id="{1383EB51-6D3B-9101-C8CD-C0B6BB6ECCC1}"/>
+                <a16:creationId xmlns:a16="http://schemas.microsoft.com/office/drawing/2014/main" id="{4D977E58-3194-DA22-0090-945C8EBD25E5}"/>
               </a:ext>
             </a:extLst>
           </p:cNvPr>
@@ -1169,7 +1169,7 @@
           <p:cNvPr id="6" name="灯片编号占位符 5">
             <a:extLst>
               <a:ext uri="{FF2B5EF4-FFF2-40B4-BE49-F238E27FC236}">
-                <a16:creationId xmlns:a16="http://schemas.microsoft.com/office/drawing/2014/main" id="{E9EBED0A-5E81-D358-4DAF-CA32A4A88ADE}"/>
+                <a16:creationId xmlns:a16="http://schemas.microsoft.com/office/drawing/2014/main" id="{4E913049-6194-7576-FB5B-8476A17458EF}"/>
               </a:ext>
             </a:extLst>
           </p:cNvPr>
@@ -1185,7 +1185,7 @@
           <a:bodyPr/>
           <a:lstStyle/>
           <a:p>
-            <a:fld id="{E40CDAEA-28E0-493F-9FC3-EC24E9557EEB}" type="slidenum">
+            <a:fld id="{BCFD902E-B67B-4533-9D51-0276639089A1}" type="slidenum">
               <a:rPr lang="zh-CN" altLang="en-US" smtClean="0"/>
               <a:t>‹#›</a:t>
             </a:fld>
@@ -1196,7 +1196,7 @@
     </p:spTree>
     <p:extLst>
       <p:ext uri="{BB962C8B-B14F-4D97-AF65-F5344CB8AC3E}">
-        <p14:creationId xmlns:p14="http://schemas.microsoft.com/office/powerpoint/2010/main" val="2779132470"/>
+        <p14:creationId xmlns:p14="http://schemas.microsoft.com/office/powerpoint/2010/main" val="2497804045"/>
       </p:ext>
     </p:extLst>
   </p:cSld>
@@ -1228,7 +1228,7 @@
           <p:cNvPr id="2" name="标题 1">
             <a:extLst>
               <a:ext uri="{FF2B5EF4-FFF2-40B4-BE49-F238E27FC236}">
-                <a16:creationId xmlns:a16="http://schemas.microsoft.com/office/drawing/2014/main" id="{C10E80F2-902F-AE7A-A9C2-94CF75BDD4A2}"/>
+                <a16:creationId xmlns:a16="http://schemas.microsoft.com/office/drawing/2014/main" id="{BE1F2F25-806B-FB04-9EF6-30FCF51D3A7F}"/>
               </a:ext>
             </a:extLst>
           </p:cNvPr>
@@ -1256,7 +1256,7 @@
           <p:cNvPr id="3" name="内容占位符 2">
             <a:extLst>
               <a:ext uri="{FF2B5EF4-FFF2-40B4-BE49-F238E27FC236}">
-                <a16:creationId xmlns:a16="http://schemas.microsoft.com/office/drawing/2014/main" id="{E325F08D-019D-4CD2-CEFD-409DB07DB957}"/>
+                <a16:creationId xmlns:a16="http://schemas.microsoft.com/office/drawing/2014/main" id="{56AA7282-A5C1-63F3-9C37-C9E825F0701D}"/>
               </a:ext>
             </a:extLst>
           </p:cNvPr>
@@ -1318,7 +1318,7 @@
           <p:cNvPr id="4" name="内容占位符 3">
             <a:extLst>
               <a:ext uri="{FF2B5EF4-FFF2-40B4-BE49-F238E27FC236}">
-                <a16:creationId xmlns:a16="http://schemas.microsoft.com/office/drawing/2014/main" id="{36159ED8-4300-5BE1-488D-68E585BB39D4}"/>
+                <a16:creationId xmlns:a16="http://schemas.microsoft.com/office/drawing/2014/main" id="{50AF9087-BD58-6EEC-A920-D47B710F71D7}"/>
               </a:ext>
             </a:extLst>
           </p:cNvPr>
@@ -1380,7 +1380,7 @@
           <p:cNvPr id="5" name="日期占位符 4">
             <a:extLst>
               <a:ext uri="{FF2B5EF4-FFF2-40B4-BE49-F238E27FC236}">
-                <a16:creationId xmlns:a16="http://schemas.microsoft.com/office/drawing/2014/main" id="{F9349B94-57C4-F680-928A-001FFCF79755}"/>
+                <a16:creationId xmlns:a16="http://schemas.microsoft.com/office/drawing/2014/main" id="{A01E48D4-DD5C-2917-9269-DCA475FFC2CE}"/>
               </a:ext>
             </a:extLst>
           </p:cNvPr>
@@ -1396,7 +1396,7 @@
           <a:bodyPr/>
           <a:lstStyle/>
           <a:p>
-            <a:fld id="{C79772F2-65CF-42F6-A309-1E70B50B71AA}" type="datetimeFigureOut">
+            <a:fld id="{BD14D28F-DD09-457D-A42F-E184024676FE}" type="datetimeFigureOut">
               <a:rPr lang="zh-CN" altLang="en-US" smtClean="0"/>
               <a:t>2024/3/10</a:t>
             </a:fld>
@@ -1409,7 +1409,7 @@
           <p:cNvPr id="6" name="页脚占位符 5">
             <a:extLst>
               <a:ext uri="{FF2B5EF4-FFF2-40B4-BE49-F238E27FC236}">
-                <a16:creationId xmlns:a16="http://schemas.microsoft.com/office/drawing/2014/main" id="{58B02BEA-3E8B-DC91-EBAA-BC819FCA75C4}"/>
+                <a16:creationId xmlns:a16="http://schemas.microsoft.com/office/drawing/2014/main" id="{BF767F50-0D29-6793-2B60-F91D8FEB1E2F}"/>
               </a:ext>
             </a:extLst>
           </p:cNvPr>
@@ -1434,7 +1434,7 @@
           <p:cNvPr id="7" name="灯片编号占位符 6">
             <a:extLst>
               <a:ext uri="{FF2B5EF4-FFF2-40B4-BE49-F238E27FC236}">
-                <a16:creationId xmlns:a16="http://schemas.microsoft.com/office/drawing/2014/main" id="{7221B983-F628-9E2C-D8D2-866CCD493611}"/>
+                <a16:creationId xmlns:a16="http://schemas.microsoft.com/office/drawing/2014/main" id="{56CA7602-162A-87FD-F9C4-6F54362BDBB8}"/>
               </a:ext>
             </a:extLst>
           </p:cNvPr>
@@ -1450,7 +1450,7 @@
           <a:bodyPr/>
           <a:lstStyle/>
           <a:p>
-            <a:fld id="{E40CDAEA-28E0-493F-9FC3-EC24E9557EEB}" type="slidenum">
+            <a:fld id="{BCFD902E-B67B-4533-9D51-0276639089A1}" type="slidenum">
               <a:rPr lang="zh-CN" altLang="en-US" smtClean="0"/>
               <a:t>‹#›</a:t>
             </a:fld>
@@ -1461,7 +1461,7 @@
     </p:spTree>
     <p:extLst>
       <p:ext uri="{BB962C8B-B14F-4D97-AF65-F5344CB8AC3E}">
-        <p14:creationId xmlns:p14="http://schemas.microsoft.com/office/powerpoint/2010/main" val="4250607876"/>
+        <p14:creationId xmlns:p14="http://schemas.microsoft.com/office/powerpoint/2010/main" val="2767903125"/>
       </p:ext>
     </p:extLst>
   </p:cSld>
@@ -1493,7 +1493,7 @@
           <p:cNvPr id="2" name="标题 1">
             <a:extLst>
               <a:ext uri="{FF2B5EF4-FFF2-40B4-BE49-F238E27FC236}">
-                <a16:creationId xmlns:a16="http://schemas.microsoft.com/office/drawing/2014/main" id="{9B7D6C67-706E-F33C-F3FE-B2A921BAD3E0}"/>
+                <a16:creationId xmlns:a16="http://schemas.microsoft.com/office/drawing/2014/main" id="{DD4578DB-949A-0FAA-18BC-F954D100A591}"/>
               </a:ext>
             </a:extLst>
           </p:cNvPr>
@@ -1526,7 +1526,7 @@
           <p:cNvPr id="3" name="文本占位符 2">
             <a:extLst>
               <a:ext uri="{FF2B5EF4-FFF2-40B4-BE49-F238E27FC236}">
-                <a16:creationId xmlns:a16="http://schemas.microsoft.com/office/drawing/2014/main" id="{34FF8CE3-8734-66B4-53E1-1B56B7A3D3C5}"/>
+                <a16:creationId xmlns:a16="http://schemas.microsoft.com/office/drawing/2014/main" id="{4C8E8B35-98E8-9661-B462-D4B0473C7A59}"/>
               </a:ext>
             </a:extLst>
           </p:cNvPr>
@@ -1597,7 +1597,7 @@
           <p:cNvPr id="4" name="内容占位符 3">
             <a:extLst>
               <a:ext uri="{FF2B5EF4-FFF2-40B4-BE49-F238E27FC236}">
-                <a16:creationId xmlns:a16="http://schemas.microsoft.com/office/drawing/2014/main" id="{D70E09A0-555C-E9BC-B10F-7877DE7E43FE}"/>
+                <a16:creationId xmlns:a16="http://schemas.microsoft.com/office/drawing/2014/main" id="{BF22B255-A100-3ADD-A30F-0D885ED90212}"/>
               </a:ext>
             </a:extLst>
           </p:cNvPr>
@@ -1659,7 +1659,7 @@
           <p:cNvPr id="5" name="文本占位符 4">
             <a:extLst>
               <a:ext uri="{FF2B5EF4-FFF2-40B4-BE49-F238E27FC236}">
-                <a16:creationId xmlns:a16="http://schemas.microsoft.com/office/drawing/2014/main" id="{92F38C0D-F8EA-B268-1EA6-9CF17AE5861C}"/>
+                <a16:creationId xmlns:a16="http://schemas.microsoft.com/office/drawing/2014/main" id="{FE957FC2-3DAE-5C86-6F2B-95B7FBF56B62}"/>
               </a:ext>
             </a:extLst>
           </p:cNvPr>
@@ -1730,7 +1730,7 @@
           <p:cNvPr id="6" name="内容占位符 5">
             <a:extLst>
               <a:ext uri="{FF2B5EF4-FFF2-40B4-BE49-F238E27FC236}">
-                <a16:creationId xmlns:a16="http://schemas.microsoft.com/office/drawing/2014/main" id="{7090AC1C-7AF7-BFC2-EC9F-B92AA5D4CF88}"/>
+                <a16:creationId xmlns:a16="http://schemas.microsoft.com/office/drawing/2014/main" id="{B2BFA8FC-785B-6C68-1C25-CBE8BC310ED1}"/>
               </a:ext>
             </a:extLst>
           </p:cNvPr>
@@ -1792,7 +1792,7 @@
           <p:cNvPr id="7" name="日期占位符 6">
             <a:extLst>
               <a:ext uri="{FF2B5EF4-FFF2-40B4-BE49-F238E27FC236}">
-                <a16:creationId xmlns:a16="http://schemas.microsoft.com/office/drawing/2014/main" id="{02EDFA21-30EB-E94E-C865-5CAA762690E8}"/>
+                <a16:creationId xmlns:a16="http://schemas.microsoft.com/office/drawing/2014/main" id="{BBC838EB-A657-55D4-BD2D-BF3DFD56DFEB}"/>
               </a:ext>
             </a:extLst>
           </p:cNvPr>
@@ -1808,7 +1808,7 @@
           <a:bodyPr/>
           <a:lstStyle/>
           <a:p>
-            <a:fld id="{C79772F2-65CF-42F6-A309-1E70B50B71AA}" type="datetimeFigureOut">
+            <a:fld id="{BD14D28F-DD09-457D-A42F-E184024676FE}" type="datetimeFigureOut">
               <a:rPr lang="zh-CN" altLang="en-US" smtClean="0"/>
               <a:t>2024/3/10</a:t>
             </a:fld>
@@ -1821,7 +1821,7 @@
           <p:cNvPr id="8" name="页脚占位符 7">
             <a:extLst>
               <a:ext uri="{FF2B5EF4-FFF2-40B4-BE49-F238E27FC236}">
-                <a16:creationId xmlns:a16="http://schemas.microsoft.com/office/drawing/2014/main" id="{92895E37-3105-ADF4-38A4-608835482682}"/>
+                <a16:creationId xmlns:a16="http://schemas.microsoft.com/office/drawing/2014/main" id="{402A87A7-77CB-DB91-976A-E1CA9354ED34}"/>
               </a:ext>
             </a:extLst>
           </p:cNvPr>
@@ -1846,7 +1846,7 @@
           <p:cNvPr id="9" name="灯片编号占位符 8">
             <a:extLst>
               <a:ext uri="{FF2B5EF4-FFF2-40B4-BE49-F238E27FC236}">
-                <a16:creationId xmlns:a16="http://schemas.microsoft.com/office/drawing/2014/main" id="{B5134676-5596-5890-95A3-369D371EFA30}"/>
+                <a16:creationId xmlns:a16="http://schemas.microsoft.com/office/drawing/2014/main" id="{7364DF62-5E39-8402-53E3-F62B767745B9}"/>
               </a:ext>
             </a:extLst>
           </p:cNvPr>
@@ -1862,7 +1862,7 @@
           <a:bodyPr/>
           <a:lstStyle/>
           <a:p>
-            <a:fld id="{E40CDAEA-28E0-493F-9FC3-EC24E9557EEB}" type="slidenum">
+            <a:fld id="{BCFD902E-B67B-4533-9D51-0276639089A1}" type="slidenum">
               <a:rPr lang="zh-CN" altLang="en-US" smtClean="0"/>
               <a:t>‹#›</a:t>
             </a:fld>
@@ -1873,7 +1873,7 @@
     </p:spTree>
     <p:extLst>
       <p:ext uri="{BB962C8B-B14F-4D97-AF65-F5344CB8AC3E}">
-        <p14:creationId xmlns:p14="http://schemas.microsoft.com/office/powerpoint/2010/main" val="3807558091"/>
+        <p14:creationId xmlns:p14="http://schemas.microsoft.com/office/powerpoint/2010/main" val="3665899921"/>
       </p:ext>
     </p:extLst>
   </p:cSld>
@@ -1905,7 +1905,7 @@
           <p:cNvPr id="2" name="标题 1">
             <a:extLst>
               <a:ext uri="{FF2B5EF4-FFF2-40B4-BE49-F238E27FC236}">
-                <a16:creationId xmlns:a16="http://schemas.microsoft.com/office/drawing/2014/main" id="{59476C14-5956-B90B-B0C9-345332BAF275}"/>
+                <a16:creationId xmlns:a16="http://schemas.microsoft.com/office/drawing/2014/main" id="{E51C2355-5D56-1D45-76EB-97ECDD6746E9}"/>
               </a:ext>
             </a:extLst>
           </p:cNvPr>
@@ -1933,7 +1933,7 @@
           <p:cNvPr id="3" name="日期占位符 2">
             <a:extLst>
               <a:ext uri="{FF2B5EF4-FFF2-40B4-BE49-F238E27FC236}">
-                <a16:creationId xmlns:a16="http://schemas.microsoft.com/office/drawing/2014/main" id="{B430571F-298F-E40D-27DC-898169F12CBC}"/>
+                <a16:creationId xmlns:a16="http://schemas.microsoft.com/office/drawing/2014/main" id="{EE2A2345-8CD7-23C4-68D4-910BA7B0EF1D}"/>
               </a:ext>
             </a:extLst>
           </p:cNvPr>
@@ -1949,7 +1949,7 @@
           <a:bodyPr/>
           <a:lstStyle/>
           <a:p>
-            <a:fld id="{C79772F2-65CF-42F6-A309-1E70B50B71AA}" type="datetimeFigureOut">
+            <a:fld id="{BD14D28F-DD09-457D-A42F-E184024676FE}" type="datetimeFigureOut">
               <a:rPr lang="zh-CN" altLang="en-US" smtClean="0"/>
               <a:t>2024/3/10</a:t>
             </a:fld>
@@ -1962,7 +1962,7 @@
           <p:cNvPr id="4" name="页脚占位符 3">
             <a:extLst>
               <a:ext uri="{FF2B5EF4-FFF2-40B4-BE49-F238E27FC236}">
-                <a16:creationId xmlns:a16="http://schemas.microsoft.com/office/drawing/2014/main" id="{0FA53B88-FFA6-3D94-9D50-5ADE687AEC10}"/>
+                <a16:creationId xmlns:a16="http://schemas.microsoft.com/office/drawing/2014/main" id="{9178BB76-6BF5-D73A-92DD-168607838188}"/>
               </a:ext>
             </a:extLst>
           </p:cNvPr>
@@ -1987,7 +1987,7 @@
           <p:cNvPr id="5" name="灯片编号占位符 4">
             <a:extLst>
               <a:ext uri="{FF2B5EF4-FFF2-40B4-BE49-F238E27FC236}">
-                <a16:creationId xmlns:a16="http://schemas.microsoft.com/office/drawing/2014/main" id="{FF9128D7-4FD2-A86C-6574-0D3C466E5569}"/>
+                <a16:creationId xmlns:a16="http://schemas.microsoft.com/office/drawing/2014/main" id="{7C1F7D8A-F4FD-7987-5B04-12DA9E0770AD}"/>
               </a:ext>
             </a:extLst>
           </p:cNvPr>
@@ -2003,7 +2003,7 @@
           <a:bodyPr/>
           <a:lstStyle/>
           <a:p>
-            <a:fld id="{E40CDAEA-28E0-493F-9FC3-EC24E9557EEB}" type="slidenum">
+            <a:fld id="{BCFD902E-B67B-4533-9D51-0276639089A1}" type="slidenum">
               <a:rPr lang="zh-CN" altLang="en-US" smtClean="0"/>
               <a:t>‹#›</a:t>
             </a:fld>
@@ -2014,7 +2014,7 @@
     </p:spTree>
     <p:extLst>
       <p:ext uri="{BB962C8B-B14F-4D97-AF65-F5344CB8AC3E}">
-        <p14:creationId xmlns:p14="http://schemas.microsoft.com/office/powerpoint/2010/main" val="2545176716"/>
+        <p14:creationId xmlns:p14="http://schemas.microsoft.com/office/powerpoint/2010/main" val="488088145"/>
       </p:ext>
     </p:extLst>
   </p:cSld>
@@ -2046,7 +2046,7 @@
           <p:cNvPr id="2" name="日期占位符 1">
             <a:extLst>
               <a:ext uri="{FF2B5EF4-FFF2-40B4-BE49-F238E27FC236}">
-                <a16:creationId xmlns:a16="http://schemas.microsoft.com/office/drawing/2014/main" id="{FFE8AF35-0ACC-18C8-422D-56D362193458}"/>
+                <a16:creationId xmlns:a16="http://schemas.microsoft.com/office/drawing/2014/main" id="{171059B6-E0FB-DB74-ADA7-E65D8D977E16}"/>
               </a:ext>
             </a:extLst>
           </p:cNvPr>
@@ -2062,7 +2062,7 @@
           <a:bodyPr/>
           <a:lstStyle/>
           <a:p>
-            <a:fld id="{C79772F2-65CF-42F6-A309-1E70B50B71AA}" type="datetimeFigureOut">
+            <a:fld id="{BD14D28F-DD09-457D-A42F-E184024676FE}" type="datetimeFigureOut">
               <a:rPr lang="zh-CN" altLang="en-US" smtClean="0"/>
               <a:t>2024/3/10</a:t>
             </a:fld>
@@ -2075,7 +2075,7 @@
           <p:cNvPr id="3" name="页脚占位符 2">
             <a:extLst>
               <a:ext uri="{FF2B5EF4-FFF2-40B4-BE49-F238E27FC236}">
-                <a16:creationId xmlns:a16="http://schemas.microsoft.com/office/drawing/2014/main" id="{31B50AB5-FFE0-81E2-3AB2-864C6F439424}"/>
+                <a16:creationId xmlns:a16="http://schemas.microsoft.com/office/drawing/2014/main" id="{288402D1-F339-B913-D6B8-C413AEE6C9A9}"/>
               </a:ext>
             </a:extLst>
           </p:cNvPr>
@@ -2100,7 +2100,7 @@
           <p:cNvPr id="4" name="灯片编号占位符 3">
             <a:extLst>
               <a:ext uri="{FF2B5EF4-FFF2-40B4-BE49-F238E27FC236}">
-                <a16:creationId xmlns:a16="http://schemas.microsoft.com/office/drawing/2014/main" id="{D0CE4A8B-23B6-57E7-37B9-97E4ADA72D3A}"/>
+                <a16:creationId xmlns:a16="http://schemas.microsoft.com/office/drawing/2014/main" id="{911E21E4-D838-C7F4-107A-0705166DA966}"/>
               </a:ext>
             </a:extLst>
           </p:cNvPr>
@@ -2116,7 +2116,7 @@
           <a:bodyPr/>
           <a:lstStyle/>
           <a:p>
-            <a:fld id="{E40CDAEA-28E0-493F-9FC3-EC24E9557EEB}" type="slidenum">
+            <a:fld id="{BCFD902E-B67B-4533-9D51-0276639089A1}" type="slidenum">
               <a:rPr lang="zh-CN" altLang="en-US" smtClean="0"/>
               <a:t>‹#›</a:t>
             </a:fld>
@@ -2127,7 +2127,7 @@
     </p:spTree>
     <p:extLst>
       <p:ext uri="{BB962C8B-B14F-4D97-AF65-F5344CB8AC3E}">
-        <p14:creationId xmlns:p14="http://schemas.microsoft.com/office/powerpoint/2010/main" val="1654119599"/>
+        <p14:creationId xmlns:p14="http://schemas.microsoft.com/office/powerpoint/2010/main" val="3557451970"/>
       </p:ext>
     </p:extLst>
   </p:cSld>
@@ -2159,7 +2159,7 @@
           <p:cNvPr id="2" name="标题 1">
             <a:extLst>
               <a:ext uri="{FF2B5EF4-FFF2-40B4-BE49-F238E27FC236}">
-                <a16:creationId xmlns:a16="http://schemas.microsoft.com/office/drawing/2014/main" id="{AEB1AF84-A182-6992-5A01-D29DAB4B18B6}"/>
+                <a16:creationId xmlns:a16="http://schemas.microsoft.com/office/drawing/2014/main" id="{1A26F032-E724-3FE7-7127-A005F4F36D9D}"/>
               </a:ext>
             </a:extLst>
           </p:cNvPr>
@@ -2196,7 +2196,7 @@
           <p:cNvPr id="3" name="内容占位符 2">
             <a:extLst>
               <a:ext uri="{FF2B5EF4-FFF2-40B4-BE49-F238E27FC236}">
-                <a16:creationId xmlns:a16="http://schemas.microsoft.com/office/drawing/2014/main" id="{F8408CE4-298B-81F2-1ABC-45AB2DEB2623}"/>
+                <a16:creationId xmlns:a16="http://schemas.microsoft.com/office/drawing/2014/main" id="{082EFFD7-5D76-2314-C294-0855C701E954}"/>
               </a:ext>
             </a:extLst>
           </p:cNvPr>
@@ -2286,7 +2286,7 @@
           <p:cNvPr id="4" name="文本占位符 3">
             <a:extLst>
               <a:ext uri="{FF2B5EF4-FFF2-40B4-BE49-F238E27FC236}">
-                <a16:creationId xmlns:a16="http://schemas.microsoft.com/office/drawing/2014/main" id="{36DD60D4-7C34-9E7B-1E62-C9B21007126A}"/>
+                <a16:creationId xmlns:a16="http://schemas.microsoft.com/office/drawing/2014/main" id="{E516C7BD-2E9C-348B-0AF1-1831F2239D4D}"/>
               </a:ext>
             </a:extLst>
           </p:cNvPr>
@@ -2357,7 +2357,7 @@
           <p:cNvPr id="5" name="日期占位符 4">
             <a:extLst>
               <a:ext uri="{FF2B5EF4-FFF2-40B4-BE49-F238E27FC236}">
-                <a16:creationId xmlns:a16="http://schemas.microsoft.com/office/drawing/2014/main" id="{C235BE3D-A6A2-396B-2621-DDFECD5DE759}"/>
+                <a16:creationId xmlns:a16="http://schemas.microsoft.com/office/drawing/2014/main" id="{92A0BB46-82AE-C0A6-3736-1A6CA24905A7}"/>
               </a:ext>
             </a:extLst>
           </p:cNvPr>
@@ -2373,7 +2373,7 @@
           <a:bodyPr/>
           <a:lstStyle/>
           <a:p>
-            <a:fld id="{C79772F2-65CF-42F6-A309-1E70B50B71AA}" type="datetimeFigureOut">
+            <a:fld id="{BD14D28F-DD09-457D-A42F-E184024676FE}" type="datetimeFigureOut">
               <a:rPr lang="zh-CN" altLang="en-US" smtClean="0"/>
               <a:t>2024/3/10</a:t>
             </a:fld>
@@ -2386,7 +2386,7 @@
           <p:cNvPr id="6" name="页脚占位符 5">
             <a:extLst>
               <a:ext uri="{FF2B5EF4-FFF2-40B4-BE49-F238E27FC236}">
-                <a16:creationId xmlns:a16="http://schemas.microsoft.com/office/drawing/2014/main" id="{E2BA1878-1CDF-E9F0-C5BA-4A7EDB6B136F}"/>
+                <a16:creationId xmlns:a16="http://schemas.microsoft.com/office/drawing/2014/main" id="{F1877848-7225-2D54-5EDF-08D3E9672412}"/>
               </a:ext>
             </a:extLst>
           </p:cNvPr>
@@ -2411,7 +2411,7 @@
           <p:cNvPr id="7" name="灯片编号占位符 6">
             <a:extLst>
               <a:ext uri="{FF2B5EF4-FFF2-40B4-BE49-F238E27FC236}">
-                <a16:creationId xmlns:a16="http://schemas.microsoft.com/office/drawing/2014/main" id="{86455CA8-882B-DAF3-9094-39F4F240182B}"/>
+                <a16:creationId xmlns:a16="http://schemas.microsoft.com/office/drawing/2014/main" id="{5E7EFE9A-0563-5342-D361-232913D75D38}"/>
               </a:ext>
             </a:extLst>
           </p:cNvPr>
@@ -2427,7 +2427,7 @@
           <a:bodyPr/>
           <a:lstStyle/>
           <a:p>
-            <a:fld id="{E40CDAEA-28E0-493F-9FC3-EC24E9557EEB}" type="slidenum">
+            <a:fld id="{BCFD902E-B67B-4533-9D51-0276639089A1}" type="slidenum">
               <a:rPr lang="zh-CN" altLang="en-US" smtClean="0"/>
               <a:t>‹#›</a:t>
             </a:fld>
@@ -2438,7 +2438,7 @@
     </p:spTree>
     <p:extLst>
       <p:ext uri="{BB962C8B-B14F-4D97-AF65-F5344CB8AC3E}">
-        <p14:creationId xmlns:p14="http://schemas.microsoft.com/office/powerpoint/2010/main" val="2337643790"/>
+        <p14:creationId xmlns:p14="http://schemas.microsoft.com/office/powerpoint/2010/main" val="220507382"/>
       </p:ext>
     </p:extLst>
   </p:cSld>
@@ -2470,7 +2470,7 @@
           <p:cNvPr id="2" name="标题 1">
             <a:extLst>
               <a:ext uri="{FF2B5EF4-FFF2-40B4-BE49-F238E27FC236}">
-                <a16:creationId xmlns:a16="http://schemas.microsoft.com/office/drawing/2014/main" id="{4E24E111-FE42-0B04-CE83-D047FF2A5BDE}"/>
+                <a16:creationId xmlns:a16="http://schemas.microsoft.com/office/drawing/2014/main" id="{91C6AC0C-91A3-26B7-7E61-DEA96F76403A}"/>
               </a:ext>
             </a:extLst>
           </p:cNvPr>
@@ -2507,7 +2507,7 @@
           <p:cNvPr id="3" name="图片占位符 2">
             <a:extLst>
               <a:ext uri="{FF2B5EF4-FFF2-40B4-BE49-F238E27FC236}">
-                <a16:creationId xmlns:a16="http://schemas.microsoft.com/office/drawing/2014/main" id="{B120CAF3-2289-F574-CF19-AC92BDA3A640}"/>
+                <a16:creationId xmlns:a16="http://schemas.microsoft.com/office/drawing/2014/main" id="{223A49C1-59B8-3607-6847-66E9E70EC2C8}"/>
               </a:ext>
             </a:extLst>
           </p:cNvPr>
@@ -2574,7 +2574,7 @@
           <p:cNvPr id="4" name="文本占位符 3">
             <a:extLst>
               <a:ext uri="{FF2B5EF4-FFF2-40B4-BE49-F238E27FC236}">
-                <a16:creationId xmlns:a16="http://schemas.microsoft.com/office/drawing/2014/main" id="{E582AA85-73F1-CFCF-048F-68AF0FBF6D9B}"/>
+                <a16:creationId xmlns:a16="http://schemas.microsoft.com/office/drawing/2014/main" id="{B77B482C-9786-7159-FFDD-4BAD10338D2D}"/>
               </a:ext>
             </a:extLst>
           </p:cNvPr>
@@ -2645,7 +2645,7 @@
           <p:cNvPr id="5" name="日期占位符 4">
             <a:extLst>
               <a:ext uri="{FF2B5EF4-FFF2-40B4-BE49-F238E27FC236}">
-                <a16:creationId xmlns:a16="http://schemas.microsoft.com/office/drawing/2014/main" id="{5DC924BB-34A7-2B18-E472-CC51C91C0285}"/>
+                <a16:creationId xmlns:a16="http://schemas.microsoft.com/office/drawing/2014/main" id="{62662DCE-1A91-D5E4-97FD-B4C1FDAAA7A0}"/>
               </a:ext>
             </a:extLst>
           </p:cNvPr>
@@ -2661,7 +2661,7 @@
           <a:bodyPr/>
           <a:lstStyle/>
           <a:p>
-            <a:fld id="{C79772F2-65CF-42F6-A309-1E70B50B71AA}" type="datetimeFigureOut">
+            <a:fld id="{BD14D28F-DD09-457D-A42F-E184024676FE}" type="datetimeFigureOut">
               <a:rPr lang="zh-CN" altLang="en-US" smtClean="0"/>
               <a:t>2024/3/10</a:t>
             </a:fld>
@@ -2674,7 +2674,7 @@
           <p:cNvPr id="6" name="页脚占位符 5">
             <a:extLst>
               <a:ext uri="{FF2B5EF4-FFF2-40B4-BE49-F238E27FC236}">
-                <a16:creationId xmlns:a16="http://schemas.microsoft.com/office/drawing/2014/main" id="{F0EE92E2-AE7B-CAFA-9943-1427D01B579E}"/>
+                <a16:creationId xmlns:a16="http://schemas.microsoft.com/office/drawing/2014/main" id="{F66B2B58-6652-FCF4-4703-133481E0F512}"/>
               </a:ext>
             </a:extLst>
           </p:cNvPr>
@@ -2699,7 +2699,7 @@
           <p:cNvPr id="7" name="灯片编号占位符 6">
             <a:extLst>
               <a:ext uri="{FF2B5EF4-FFF2-40B4-BE49-F238E27FC236}">
-                <a16:creationId xmlns:a16="http://schemas.microsoft.com/office/drawing/2014/main" id="{2B47F751-79C7-FFC8-273D-174652E418E4}"/>
+                <a16:creationId xmlns:a16="http://schemas.microsoft.com/office/drawing/2014/main" id="{D204B623-80E2-17C5-214F-1AF9B22E4138}"/>
               </a:ext>
             </a:extLst>
           </p:cNvPr>
@@ -2715,7 +2715,7 @@
           <a:bodyPr/>
           <a:lstStyle/>
           <a:p>
-            <a:fld id="{E40CDAEA-28E0-493F-9FC3-EC24E9557EEB}" type="slidenum">
+            <a:fld id="{BCFD902E-B67B-4533-9D51-0276639089A1}" type="slidenum">
               <a:rPr lang="zh-CN" altLang="en-US" smtClean="0"/>
               <a:t>‹#›</a:t>
             </a:fld>
@@ -2726,7 +2726,7 @@
     </p:spTree>
     <p:extLst>
       <p:ext uri="{BB962C8B-B14F-4D97-AF65-F5344CB8AC3E}">
-        <p14:creationId xmlns:p14="http://schemas.microsoft.com/office/powerpoint/2010/main" val="1644212869"/>
+        <p14:creationId xmlns:p14="http://schemas.microsoft.com/office/powerpoint/2010/main" val="227924861"/>
       </p:ext>
     </p:extLst>
   </p:cSld>
@@ -2763,7 +2763,7 @@
           <p:cNvPr id="2" name="标题占位符 1">
             <a:extLst>
               <a:ext uri="{FF2B5EF4-FFF2-40B4-BE49-F238E27FC236}">
-                <a16:creationId xmlns:a16="http://schemas.microsoft.com/office/drawing/2014/main" id="{00EF929E-54F7-BBFB-9383-469CDBB11E77}"/>
+                <a16:creationId xmlns:a16="http://schemas.microsoft.com/office/drawing/2014/main" id="{8FFB9F68-B04C-8BA2-908D-92CF6CC46846}"/>
               </a:ext>
             </a:extLst>
           </p:cNvPr>
@@ -2801,7 +2801,7 @@
           <p:cNvPr id="3" name="文本占位符 2">
             <a:extLst>
               <a:ext uri="{FF2B5EF4-FFF2-40B4-BE49-F238E27FC236}">
-                <a16:creationId xmlns:a16="http://schemas.microsoft.com/office/drawing/2014/main" id="{F4D1ED85-8F4F-EA50-BAD0-E4373A896BDC}"/>
+                <a16:creationId xmlns:a16="http://schemas.microsoft.com/office/drawing/2014/main" id="{94086F0A-0565-74E5-A673-755706AE89E5}"/>
               </a:ext>
             </a:extLst>
           </p:cNvPr>
@@ -2868,7 +2868,7 @@
           <p:cNvPr id="4" name="日期占位符 3">
             <a:extLst>
               <a:ext uri="{FF2B5EF4-FFF2-40B4-BE49-F238E27FC236}">
-                <a16:creationId xmlns:a16="http://schemas.microsoft.com/office/drawing/2014/main" id="{84095F52-2DEC-86AA-794F-D5C5921199C7}"/>
+                <a16:creationId xmlns:a16="http://schemas.microsoft.com/office/drawing/2014/main" id="{866BDCD2-F80C-559A-C9DC-2FE90D272BB9}"/>
               </a:ext>
             </a:extLst>
           </p:cNvPr>
@@ -2902,7 +2902,7 @@
             </a:lvl1pPr>
           </a:lstStyle>
           <a:p>
-            <a:fld id="{C79772F2-65CF-42F6-A309-1E70B50B71AA}" type="datetimeFigureOut">
+            <a:fld id="{BD14D28F-DD09-457D-A42F-E184024676FE}" type="datetimeFigureOut">
               <a:rPr lang="zh-CN" altLang="en-US" smtClean="0"/>
               <a:t>2024/3/10</a:t>
             </a:fld>
@@ -2915,7 +2915,7 @@
           <p:cNvPr id="5" name="页脚占位符 4">
             <a:extLst>
               <a:ext uri="{FF2B5EF4-FFF2-40B4-BE49-F238E27FC236}">
-                <a16:creationId xmlns:a16="http://schemas.microsoft.com/office/drawing/2014/main" id="{2CD53288-9129-2C89-20FD-A00ADA592880}"/>
+                <a16:creationId xmlns:a16="http://schemas.microsoft.com/office/drawing/2014/main" id="{3C02968A-2134-6086-7C5F-82F05496E288}"/>
               </a:ext>
             </a:extLst>
           </p:cNvPr>
@@ -2958,7 +2958,7 @@
           <p:cNvPr id="6" name="灯片编号占位符 5">
             <a:extLst>
               <a:ext uri="{FF2B5EF4-FFF2-40B4-BE49-F238E27FC236}">
-                <a16:creationId xmlns:a16="http://schemas.microsoft.com/office/drawing/2014/main" id="{8B246B53-15BB-628B-F796-5326BF27A659}"/>
+                <a16:creationId xmlns:a16="http://schemas.microsoft.com/office/drawing/2014/main" id="{CCEFA681-8E9E-A793-53FD-E20E541675AE}"/>
               </a:ext>
             </a:extLst>
           </p:cNvPr>
@@ -2992,7 +2992,7 @@
             </a:lvl1pPr>
           </a:lstStyle>
           <a:p>
-            <a:fld id="{E40CDAEA-28E0-493F-9FC3-EC24E9557EEB}" type="slidenum">
+            <a:fld id="{BCFD902E-B67B-4533-9D51-0276639089A1}" type="slidenum">
               <a:rPr lang="zh-CN" altLang="en-US" smtClean="0"/>
               <a:t>‹#›</a:t>
             </a:fld>
@@ -3003,7 +3003,7 @@
     </p:spTree>
     <p:extLst>
       <p:ext uri="{BB962C8B-B14F-4D97-AF65-F5344CB8AC3E}">
-        <p14:creationId xmlns:p14="http://schemas.microsoft.com/office/powerpoint/2010/main" val="3147881132"/>
+        <p14:creationId xmlns:p14="http://schemas.microsoft.com/office/powerpoint/2010/main" val="3079459739"/>
       </p:ext>
     </p:extLst>
   </p:cSld>
